--- a/draft-liu-teas-transport-network-slice-yang-06.pptx
+++ b/draft-liu-teas-transport-network-slice-yang-06.pptx
@@ -9,8 +9,8 @@
   </p:notesMasterIdLst>
   <p:sldIdLst>
     <p:sldId id="256" r:id="rId7"/>
-    <p:sldId id="288" r:id="rId8"/>
-    <p:sldId id="309" r:id="rId9"/>
+    <p:sldId id="314" r:id="rId8"/>
+    <p:sldId id="315" r:id="rId9"/>
     <p:sldId id="308" r:id="rId10"/>
     <p:sldId id="306" r:id="rId11"/>
     <p:sldId id="311" r:id="rId12"/>
@@ -229,7 +229,7 @@
           <a:p>
             <a:fld id="{59711742-25F0-43F6-882D-B8403339F2D1}" type="datetimeFigureOut">
               <a:rPr lang="en-US" smtClean="0"/>
-              <a:t>3/21/2023</a:t>
+              <a:t>3/22/2023</a:t>
             </a:fld>
             <a:endParaRPr lang="en-US"/>
           </a:p>
@@ -570,7 +570,7 @@
     </p:spTree>
     <p:extLst>
       <p:ext uri="{BB962C8B-B14F-4D97-AF65-F5344CB8AC3E}">
-        <p14:creationId xmlns:p14="http://schemas.microsoft.com/office/powerpoint/2010/main" val="3169518882"/>
+        <p14:creationId xmlns:p14="http://schemas.microsoft.com/office/powerpoint/2010/main" val="1099463439"/>
       </p:ext>
     </p:extLst>
   </p:cSld>
@@ -654,7 +654,7 @@
     </p:spTree>
     <p:extLst>
       <p:ext uri="{BB962C8B-B14F-4D97-AF65-F5344CB8AC3E}">
-        <p14:creationId xmlns:p14="http://schemas.microsoft.com/office/powerpoint/2010/main" val="1219583566"/>
+        <p14:creationId xmlns:p14="http://schemas.microsoft.com/office/powerpoint/2010/main" val="1577425159"/>
       </p:ext>
     </p:extLst>
   </p:cSld>
@@ -1315,7 +1315,7 @@
           <a:p>
             <a:fld id="{11EADF87-7BA1-4934-894F-828C76552A18}" type="datetime1">
               <a:rPr lang="en-US" smtClean="0"/>
-              <a:t>3/21/2023</a:t>
+              <a:t>3/22/2023</a:t>
             </a:fld>
             <a:endParaRPr lang="en-US"/>
           </a:p>
@@ -1516,7 +1516,7 @@
           <a:p>
             <a:fld id="{85D92055-2432-4DF3-97D9-9AAC5D502BA1}" type="datetime1">
               <a:rPr lang="en-US" smtClean="0"/>
-              <a:t>3/21/2023</a:t>
+              <a:t>3/22/2023</a:t>
             </a:fld>
             <a:endParaRPr lang="en-US"/>
           </a:p>
@@ -1727,7 +1727,7 @@
           <a:p>
             <a:fld id="{9982AC4B-3F7F-442E-97CB-3FE75166B923}" type="datetime1">
               <a:rPr lang="en-US" smtClean="0"/>
-              <a:t>3/21/2023</a:t>
+              <a:t>3/22/2023</a:t>
             </a:fld>
             <a:endParaRPr lang="en-US"/>
           </a:p>
@@ -1928,7 +1928,7 @@
           <a:p>
             <a:fld id="{86764C34-DC39-41C4-8B6A-5EA7B47F74F1}" type="datetime1">
               <a:rPr lang="en-US" smtClean="0"/>
-              <a:t>3/21/2023</a:t>
+              <a:t>3/22/2023</a:t>
             </a:fld>
             <a:endParaRPr lang="en-US"/>
           </a:p>
@@ -2206,7 +2206,7 @@
           <a:p>
             <a:fld id="{9AD06E72-0C8D-44B3-AA53-2FB152485C62}" type="datetime1">
               <a:rPr lang="en-US" smtClean="0"/>
-              <a:t>3/21/2023</a:t>
+              <a:t>3/22/2023</a:t>
             </a:fld>
             <a:endParaRPr lang="en-US"/>
           </a:p>
@@ -2474,7 +2474,7 @@
           <a:p>
             <a:fld id="{66188E82-78A8-432F-A905-64D37DCF7108}" type="datetime1">
               <a:rPr lang="en-US" smtClean="0"/>
-              <a:t>3/21/2023</a:t>
+              <a:t>3/22/2023</a:t>
             </a:fld>
             <a:endParaRPr lang="en-US"/>
           </a:p>
@@ -2889,7 +2889,7 @@
           <a:p>
             <a:fld id="{4F6C27C5-5812-4AB4-AA99-BFA1A6532403}" type="datetime1">
               <a:rPr lang="en-US" smtClean="0"/>
-              <a:t>3/21/2023</a:t>
+              <a:t>3/22/2023</a:t>
             </a:fld>
             <a:endParaRPr lang="en-US"/>
           </a:p>
@@ -3033,7 +3033,7 @@
           <a:p>
             <a:fld id="{01E17CC1-43C0-45B8-AB30-B4F1979189AC}" type="datetime1">
               <a:rPr lang="en-US" smtClean="0"/>
-              <a:t>3/21/2023</a:t>
+              <a:t>3/22/2023</a:t>
             </a:fld>
             <a:endParaRPr lang="en-US"/>
           </a:p>
@@ -3149,7 +3149,7 @@
           <a:p>
             <a:fld id="{86720E5C-818F-46A2-A674-ACF0EF433E2C}" type="datetime1">
               <a:rPr lang="en-US" smtClean="0"/>
-              <a:t>3/21/2023</a:t>
+              <a:t>3/22/2023</a:t>
             </a:fld>
             <a:endParaRPr lang="en-US"/>
           </a:p>
@@ -3463,7 +3463,7 @@
           <a:p>
             <a:fld id="{3BF26B5B-FDE8-4DDB-82A7-BEF41002D93B}" type="datetime1">
               <a:rPr lang="en-US" smtClean="0"/>
-              <a:t>3/21/2023</a:t>
+              <a:t>3/22/2023</a:t>
             </a:fld>
             <a:endParaRPr lang="en-US"/>
           </a:p>
@@ -3754,7 +3754,7 @@
           <a:p>
             <a:fld id="{5CC07EE6-18E8-48EE-9715-5838292A3776}" type="datetime1">
               <a:rPr lang="en-US" smtClean="0"/>
-              <a:t>3/21/2023</a:t>
+              <a:t>3/22/2023</a:t>
             </a:fld>
             <a:endParaRPr lang="en-US"/>
           </a:p>
@@ -3998,7 +3998,7 @@
           <a:p>
             <a:fld id="{9025BCED-13F6-41CB-8B3C-875C16F6C384}" type="datetime1">
               <a:rPr lang="en-US" smtClean="0"/>
-              <a:t>3/21/2023</a:t>
+              <a:t>3/22/2023</a:t>
             </a:fld>
             <a:endParaRPr lang="en-US"/>
           </a:p>
@@ -5118,14 +5118,14 @@
         </p:spPr>
         <p:txBody>
           <a:bodyPr>
-            <a:normAutofit fontScale="85000" lnSpcReduction="20000"/>
+            <a:normAutofit/>
           </a:bodyPr>
           <a:lstStyle/>
           <a:p>
             <a:pPr marL="342900" indent="-342900"/>
             <a:r>
               <a:rPr lang="en-US" sz="2400" dirty="0"/>
-              <a:t>A network slice may demand additional level of control to customize its connections, as described in Section 2 of draft-</a:t>
+              <a:t>A network slice may require an additional level of control to customize its connections, as described in Section 2 of draft-</a:t>
             </a:r>
             <a:r>
               <a:rPr lang="en-US" sz="2400" dirty="0" err="1"/>
@@ -5141,7 +5141,7 @@
             </a:r>
             <a:r>
               <a:rPr lang="en-US" sz="2400" dirty="0"/>
-              <a:t>-network-slices</a:t>
+              <a:t>-network-slices. </a:t>
             </a:r>
           </a:p>
           <a:p>
@@ -5165,52 +5165,18 @@
           <a:p>
             <a:r>
               <a:rPr lang="en-US" sz="2400" dirty="0"/>
-              <a:t>A network slice can benefit from using a customized topology to allow better resource sharing among the connections</a:t>
+              <a:t>A network slice can benefit from using a customized topology to allow better resource reservation and resource sharing among connections</a:t>
             </a:r>
           </a:p>
           <a:p>
             <a:pPr lvl="1"/>
             <a:r>
               <a:rPr lang="en-US" sz="2000" dirty="0"/>
-              <a:t>“network slice topology”</a:t>
+              <a:t>We call it a “network slice topology”</a:t>
             </a:r>
           </a:p>
           <a:p>
             <a:endParaRPr lang="en-US" sz="2400" dirty="0"/>
-          </a:p>
-          <a:p>
-            <a:r>
-              <a:rPr lang="en-US" sz="2400" dirty="0"/>
-              <a:t>A network slice topology expresses the slice customer’s intent with customer-oriented SLO/SLEs</a:t>
-            </a:r>
-          </a:p>
-          <a:p>
-            <a:pPr lvl="1"/>
-            <a:r>
-              <a:rPr lang="en-US" sz="1600" dirty="0"/>
-              <a:t>Existing topology models, e.g. network topology or TE topology is neither intent-oriented nor contains the SLO/SLEs needed from customer’s perspective</a:t>
-            </a:r>
-          </a:p>
-          <a:p>
-            <a:endParaRPr lang="en-US" sz="2400" dirty="0"/>
-          </a:p>
-          <a:p>
-            <a:r>
-              <a:rPr lang="en-US" sz="2400" dirty="0"/>
-              <a:t>The network slice topology can be either technology-agnostic or technology-specific depending on the specific network slice to be built</a:t>
-            </a:r>
-          </a:p>
-          <a:p>
-            <a:pPr marL="0" indent="0">
-              <a:buNone/>
-            </a:pPr>
-            <a:endParaRPr lang="en-US" sz="2400" dirty="0"/>
-          </a:p>
-          <a:p>
-            <a:r>
-              <a:rPr lang="en-US" sz="2400" dirty="0"/>
-              <a:t>A network slice may reference a network slice topology and build explicit path for its connections</a:t>
-            </a:r>
           </a:p>
           <a:p>
             <a:pPr marL="0" indent="0">
@@ -5229,7 +5195,7 @@
     </p:spTree>
     <p:extLst>
       <p:ext uri="{BB962C8B-B14F-4D97-AF65-F5344CB8AC3E}">
-        <p14:creationId xmlns:p14="http://schemas.microsoft.com/office/powerpoint/2010/main" val="3241397349"/>
+        <p14:creationId xmlns:p14="http://schemas.microsoft.com/office/powerpoint/2010/main" val="2170134947"/>
       </p:ext>
     </p:extLst>
   </p:cSld>
@@ -5279,7 +5245,7 @@
           <a:p>
             <a:r>
               <a:rPr lang="en-US" dirty="0"/>
-              <a:t>Clarification of Terminologies</a:t>
+              <a:t>Network Slice Topology</a:t>
             </a:r>
           </a:p>
         </p:txBody>
@@ -5303,136 +5269,94 @@
         <p:spPr>
           <a:xfrm>
             <a:off x="865300" y="1690688"/>
-            <a:ext cx="10488500" cy="2552838"/>
+            <a:ext cx="10818700" cy="4985320"/>
           </a:xfrm>
         </p:spPr>
         <p:txBody>
           <a:bodyPr>
-            <a:normAutofit fontScale="85000" lnSpcReduction="20000"/>
+            <a:normAutofit/>
           </a:bodyPr>
           <a:lstStyle/>
           <a:p>
-            <a:pPr algn="l" fontAlgn="base"/>
-            <a:r>
-              <a:rPr lang="en-US" sz="2300" b="0" i="0" dirty="0">
+            <a:r>
+              <a:rPr lang="en-US" sz="2400" dirty="0"/>
+              <a:t>A network slice topology is a customized topology used to expresses a customer’s intent </a:t>
+            </a:r>
+            <a:r>
+              <a:rPr lang="en-US" sz="2400" b="0" i="0" dirty="0">
                 <a:solidFill>
                   <a:srgbClr val="242424"/>
                 </a:solidFill>
                 <a:effectLst/>
                 <a:latin typeface="Calibri" panose="020F0502020204030204" pitchFamily="34" charset="0"/>
               </a:rPr>
-              <a:t>Native MDSC topology: topology resources managed by the MDSC (internal topology)</a:t>
-            </a:r>
-          </a:p>
-          <a:p>
-            <a:pPr algn="l" fontAlgn="base"/>
-            <a:endParaRPr lang="en-US" sz="2300" b="0" i="0" dirty="0">
-              <a:solidFill>
-                <a:srgbClr val="242424"/>
-              </a:solidFill>
-              <a:effectLst/>
-              <a:latin typeface="Calibri" panose="020F0502020204030204" pitchFamily="34" charset="0"/>
-            </a:endParaRPr>
-          </a:p>
-          <a:p>
-            <a:pPr algn="l" fontAlgn="base"/>
-            <a:r>
-              <a:rPr lang="en-US" sz="2300" b="0" i="0" dirty="0">
-                <a:solidFill>
-                  <a:srgbClr val="242424"/>
-                </a:solidFill>
-                <a:effectLst/>
-                <a:latin typeface="Calibri" panose="020F0502020204030204" pitchFamily="34" charset="0"/>
+              <a:t>for reserving topology resources and expressing connectivity constraints</a:t>
+            </a:r>
+            <a:endParaRPr lang="en-US" sz="2400" dirty="0"/>
+          </a:p>
+          <a:p>
+            <a:pPr lvl="1"/>
+            <a:r>
+              <a:rPr lang="en-US" sz="2000" dirty="0"/>
+              <a:t>A network slice topology is defined by the customer(“customized”), not one exposed by the provider(“abstract” or “native” topology)</a:t>
+            </a:r>
+          </a:p>
+          <a:p>
+            <a:pPr lvl="1"/>
+            <a:r>
+              <a:rPr lang="en-US" sz="2000" dirty="0"/>
+              <a:t>Existing topology models, e.g. network topology or TE topology is not intent driven, e.g. no customer SLO/SLEs defined</a:t>
+            </a:r>
+          </a:p>
+          <a:p>
+            <a:endParaRPr lang="en-US" sz="2400" dirty="0"/>
+          </a:p>
+          <a:p>
+            <a:r>
+              <a:rPr lang="en-US" sz="2400" dirty="0"/>
+              <a:t>Service paths for connections in a network slice can be specified on top of a network slice topology</a:t>
+            </a:r>
+          </a:p>
+          <a:p>
+            <a:pPr marL="0" indent="0">
+              <a:buNone/>
+            </a:pPr>
+            <a:endParaRPr lang="en-US" sz="2400" dirty="0"/>
+          </a:p>
+          <a:p>
+            <a:r>
+              <a:rPr lang="en-US" sz="2400" dirty="0"/>
+              <a:t>The topology model defined in early revisions of </a:t>
+            </a:r>
+            <a:r>
+              <a:rPr lang="en-US" sz="2400" dirty="0">
+                <a:latin typeface="+mn-lt"/>
               </a:rPr>
-              <a:t>Abstract topology: an abstraction of the network topology resources, exposed by the MDSC at its NBI (topology discovery)</a:t>
-            </a:r>
-          </a:p>
-          <a:p>
-            <a:pPr algn="l" fontAlgn="base"/>
-            <a:endParaRPr lang="en-US" sz="2300" b="0" i="0" dirty="0">
-              <a:solidFill>
-                <a:srgbClr val="242424"/>
-              </a:solidFill>
-              <a:effectLst/>
-              <a:latin typeface="Calibri" panose="020F0502020204030204" pitchFamily="34" charset="0"/>
-            </a:endParaRPr>
-          </a:p>
-          <a:p>
-            <a:pPr algn="l" fontAlgn="base"/>
-            <a:r>
-              <a:rPr lang="en-US" sz="2300" b="0" i="0" dirty="0">
-                <a:solidFill>
-                  <a:srgbClr val="242424"/>
-                </a:solidFill>
-                <a:effectLst/>
-                <a:latin typeface="Calibri" panose="020F0502020204030204" pitchFamily="34" charset="0"/>
+              <a:t>draft-</a:t>
+            </a:r>
+            <a:r>
+              <a:rPr lang="en-US" sz="2400" dirty="0" err="1">
+                <a:latin typeface="+mn-lt"/>
               </a:rPr>
-              <a:t>Customized topology: the customer intent for reserving topology resources within the network and express connectivity constraints</a:t>
-            </a:r>
-          </a:p>
-          <a:p>
-            <a:pPr marL="0" indent="0" algn="l" fontAlgn="base">
-              <a:buNone/>
-            </a:pPr>
-            <a:r>
-              <a:rPr lang="en-US" sz="1600" b="0" i="0" dirty="0">
-                <a:solidFill>
-                  <a:srgbClr val="242424"/>
-                </a:solidFill>
-                <a:effectLst/>
-                <a:latin typeface="Calibri" panose="020F0502020204030204" pitchFamily="34" charset="0"/>
+              <a:t>liu</a:t>
+            </a:r>
+            <a:r>
+              <a:rPr lang="en-US" sz="2400" dirty="0">
+                <a:latin typeface="+mn-lt"/>
               </a:rPr>
-              <a:t> </a:t>
-            </a:r>
-          </a:p>
-        </p:txBody>
-      </p:sp>
-      <p:sp>
-        <p:nvSpPr>
-          <p:cNvPr id="5" name="TextBox 4">
-            <a:extLst>
-              <a:ext uri="{FF2B5EF4-FFF2-40B4-BE49-F238E27FC236}">
-                <a16:creationId xmlns:a16="http://schemas.microsoft.com/office/drawing/2014/main" id="{09F9266F-5216-125E-7C0C-13EBBFBF4C95}"/>
-              </a:ext>
-            </a:extLst>
-          </p:cNvPr>
-          <p:cNvSpPr txBox="1"/>
-          <p:nvPr/>
-        </p:nvSpPr>
-        <p:spPr>
-          <a:xfrm>
-            <a:off x="1253971" y="4638672"/>
-            <a:ext cx="9550154" cy="369332"/>
-          </a:xfrm>
-          <a:prstGeom prst="rect">
-            <a:avLst/>
-          </a:prstGeom>
-          <a:noFill/>
-        </p:spPr>
-        <p:txBody>
-          <a:bodyPr wrap="square">
-            <a:spAutoFit/>
-          </a:bodyPr>
-          <a:lstStyle/>
-          <a:p>
-            <a:pPr algn="l" fontAlgn="base"/>
-            <a:r>
-              <a:rPr lang="en-US" sz="1800" b="0" i="0" dirty="0">
-                <a:solidFill>
-                  <a:srgbClr val="FF0000"/>
-                </a:solidFill>
-                <a:effectLst/>
-                <a:latin typeface="Calibri" panose="020F0502020204030204" pitchFamily="34" charset="0"/>
-              </a:rPr>
-              <a:t>--&gt; what we need for network slicing is the customized topology and NOT the abstract topology</a:t>
-            </a:r>
+              <a:t>-teas-transport-network-slice-yang is a good candidate for defining the network slice topology</a:t>
+            </a:r>
+            <a:endParaRPr lang="en-US" sz="2400" dirty="0"/>
+          </a:p>
+          <a:p>
+            <a:endParaRPr lang="en-US" sz="2400" dirty="0"/>
           </a:p>
         </p:txBody>
       </p:sp>
     </p:spTree>
     <p:extLst>
       <p:ext uri="{BB962C8B-B14F-4D97-AF65-F5344CB8AC3E}">
-        <p14:creationId xmlns:p14="http://schemas.microsoft.com/office/powerpoint/2010/main" val="1650706826"/>
+        <p14:creationId xmlns:p14="http://schemas.microsoft.com/office/powerpoint/2010/main" val="90707959"/>
       </p:ext>
     </p:extLst>
   </p:cSld>
@@ -5487,7 +5411,7 @@
           <a:p>
             <a:r>
               <a:rPr lang="en-US" dirty="0"/>
-              <a:t>Reusing Existing Model for Network Slice Topologies</a:t>
+              <a:t>Updates in Rev-06</a:t>
             </a:r>
           </a:p>
         </p:txBody>
@@ -5510,8 +5434,8 @@
         </p:nvSpPr>
         <p:spPr>
           <a:xfrm>
-            <a:off x="865300" y="1690688"/>
-            <a:ext cx="10488500" cy="4400118"/>
+            <a:off x="526473" y="1690688"/>
+            <a:ext cx="10827327" cy="4400118"/>
           </a:xfrm>
         </p:spPr>
         <p:txBody>
@@ -5520,40 +5444,40 @@
           </a:bodyPr>
           <a:lstStyle/>
           <a:p>
-            <a:pPr marL="342900" indent="-342900"/>
-            <a:r>
-              <a:rPr lang="en-US" sz="2400" dirty="0"/>
-              <a:t>draft-liu-teas-transport-network-slice-yang-05 originally exists to represent and configure a network slice as a topology</a:t>
-            </a:r>
-          </a:p>
-          <a:p>
             <a:pPr marL="800100" lvl="1" indent="-342900"/>
             <a:r>
-              <a:rPr lang="en-US" sz="2000" dirty="0"/>
-              <a:t>The SLO/SLE attributes for topological resources need to align with what is defined in the network slice framework &amp; ns-</a:t>
-            </a:r>
-            <a:r>
-              <a:rPr lang="en-US" sz="2000" dirty="0" err="1"/>
+              <a:rPr lang="en-US" dirty="0"/>
+              <a:t>Imported common SLO/SLE attributes from ns-</a:t>
+            </a:r>
+            <a:r>
+              <a:rPr lang="en-US" dirty="0" err="1"/>
               <a:t>nbi</a:t>
             </a:r>
             <a:r>
-              <a:rPr lang="en-US" sz="2000" dirty="0"/>
+              <a:rPr lang="en-US" dirty="0"/>
+              <a:t> &amp; applied them to the topology constructs</a:t>
+            </a:r>
+          </a:p>
+          <a:p>
+            <a:pPr marL="800100" lvl="1" indent="-342900"/>
+            <a:r>
+              <a:rPr lang="en-US" dirty="0"/>
+              <a:t>Removed the augments from the TE topology model for model connectivity constructs as they are already covered by the ns-</a:t>
+            </a:r>
+            <a:r>
+              <a:rPr lang="en-US" dirty="0" err="1"/>
+              <a:t>nbi</a:t>
+            </a:r>
+            <a:r>
+              <a:rPr lang="en-US" dirty="0"/>
               <a:t> YANG model</a:t>
             </a:r>
           </a:p>
           <a:p>
             <a:pPr marL="800100" lvl="1" indent="-342900"/>
             <a:r>
-              <a:rPr lang="en-US" sz="2000" dirty="0"/>
-              <a:t>No need to augment TE models to model connectivity constraints (they are covered by the ns-</a:t>
-            </a:r>
-            <a:r>
-              <a:rPr lang="en-US" sz="2000" dirty="0" err="1"/>
-              <a:t>nbi</a:t>
-            </a:r>
-            <a:r>
-              <a:rPr lang="en-US" sz="2000" dirty="0"/>
-              <a:t> YANG model)</a:t>
+              <a:rPr lang="en-US" dirty="0"/>
+              <a:t>Text &amp; diagram updates</a:t>
             </a:r>
           </a:p>
           <a:p>
@@ -5619,7 +5543,7 @@
           <a:p>
             <a:r>
               <a:rPr lang="en-US" dirty="0"/>
-              <a:t>Model Relationships</a:t>
+              <a:t>Updated Model Relationships</a:t>
             </a:r>
           </a:p>
         </p:txBody>
@@ -5947,7 +5871,7 @@
           <a:p>
             <a:r>
               <a:rPr lang="en-US" dirty="0"/>
-              <a:t>Model Tree</a:t>
+              <a:t>Model Tree (Cont.)</a:t>
             </a:r>
           </a:p>
         </p:txBody>
@@ -6935,32 +6859,15 @@
 
 <file path=customXml/item1.xml><?xml version="1.0" encoding="utf-8"?>
 <?mso-contentType ?>
-<SharedContentType xmlns="Microsoft.SharePoint.Taxonomy.ContentTypeSync" SourceId="34c87397-5fc1-491e-85e7-d6110dbe9cbd" ContentTypeId="0x0101" PreviousValue="false"/>
+<spe:Receivers xmlns:spe="http://schemas.microsoft.com/sharepoint/events"/>
 </file>
 
 <file path=customXml/item2.xml><?xml version="1.0" encoding="utf-8"?>
 <?mso-contentType ?>
-<spe:Receivers xmlns:spe="http://schemas.microsoft.com/sharepoint/events"/>
+<SharedContentType xmlns="Microsoft.SharePoint.Taxonomy.ContentTypeSync" SourceId="34c87397-5fc1-491e-85e7-d6110dbe9cbd" ContentTypeId="0x0101" PreviousValue="false"/>
 </file>
 
 <file path=customXml/item3.xml><?xml version="1.0" encoding="utf-8"?>
-<?mso-contentType ?>
-<FormTemplates xmlns="http://schemas.microsoft.com/sharepoint/v3/contenttype/forms">
-  <Display>DocumentLibraryForm</Display>
-  <Edit>DocumentLibraryForm</Edit>
-  <New>DocumentLibraryForm</New>
-</FormTemplates>
-</file>
-
-<file path=customXml/item4.xml><?xml version="1.0" encoding="utf-8"?>
-<p:properties xmlns:p="http://schemas.microsoft.com/office/2006/metadata/properties" xmlns:xsi="http://www.w3.org/2001/XMLSchema-instance" xmlns:pc="http://schemas.microsoft.com/office/infopath/2007/PartnerControls">
-  <documentManagement>
-    <HideFromDelve xmlns="71c5aaf6-e6ce-465b-b873-5148d2a4c105">false</HideFromDelve>
-  </documentManagement>
-</p:properties>
-</file>
-
-<file path=customXml/item5.xml><?xml version="1.0" encoding="utf-8"?>
 <ct:contentTypeSchema xmlns:ct="http://schemas.microsoft.com/office/2006/metadata/contentType" xmlns:ma="http://schemas.microsoft.com/office/2006/metadata/properties/metaAttributes" ct:_="" ma:_="" ma:contentTypeName="Document" ma:contentTypeID="0x01010083185B6FD968AC4F8244C98DADFCDDF2" ma:contentTypeVersion="10" ma:contentTypeDescription="Create a new document." ma:contentTypeScope="" ma:versionID="a0a5748a9dac91f93248b2b077c41dd7">
   <xsd:schema xmlns:xsd="http://www.w3.org/2001/XMLSchema" xmlns:xs="http://www.w3.org/2001/XMLSchema" xmlns:p="http://schemas.microsoft.com/office/2006/metadata/properties" xmlns:ns3="71c5aaf6-e6ce-465b-b873-5148d2a4c105" xmlns:ns4="687e87d0-d0a8-4c48-8f94-14f0c67212c5" xmlns:ns5="b4d06219-a142-4c5f-be55-53f74cb980c7" targetNamespace="http://schemas.microsoft.com/office/2006/metadata/properties" ma:root="true" ma:fieldsID="b06f86fc5fa60c034a6b2d88bb81de5b" ns3:_="" ns4:_="" ns5:_="">
     <xsd:import namespace="71c5aaf6-e6ce-465b-b873-5148d2a4c105"/>
@@ -7199,7 +7106,32 @@
 </ct:contentTypeSchema>
 </file>
 
+<file path=customXml/item4.xml><?xml version="1.0" encoding="utf-8"?>
+<p:properties xmlns:p="http://schemas.microsoft.com/office/2006/metadata/properties" xmlns:xsi="http://www.w3.org/2001/XMLSchema-instance" xmlns:pc="http://schemas.microsoft.com/office/infopath/2007/PartnerControls">
+  <documentManagement>
+    <HideFromDelve xmlns="71c5aaf6-e6ce-465b-b873-5148d2a4c105">false</HideFromDelve>
+  </documentManagement>
+</p:properties>
+</file>
+
+<file path=customXml/item5.xml><?xml version="1.0" encoding="utf-8"?>
+<?mso-contentType ?>
+<FormTemplates xmlns="http://schemas.microsoft.com/sharepoint/v3/contenttype/forms">
+  <Display>DocumentLibraryForm</Display>
+  <Edit>DocumentLibraryForm</Edit>
+  <New>DocumentLibraryForm</New>
+</FormTemplates>
+</file>
+
 <file path=customXml/itemProps1.xml><?xml version="1.0" encoding="utf-8"?>
+<ds:datastoreItem xmlns:ds="http://schemas.openxmlformats.org/officeDocument/2006/customXml" ds:itemID="{917A1171-45E3-4E0C-B712-8306AE0B7411}">
+  <ds:schemaRefs>
+    <ds:schemaRef ds:uri="http://schemas.microsoft.com/sharepoint/events"/>
+  </ds:schemaRefs>
+</ds:datastoreItem>
+</file>
+
+<file path=customXml/itemProps2.xml><?xml version="1.0" encoding="utf-8"?>
 <ds:datastoreItem xmlns:ds="http://schemas.openxmlformats.org/officeDocument/2006/customXml" ds:itemID="{68412ECC-D61E-4B23-B7FF-722505864B65}">
   <ds:schemaRefs>
     <ds:schemaRef ds:uri="Microsoft.SharePoint.Taxonomy.ContentTypeSync"/>
@@ -7207,18 +7139,22 @@
 </ds:datastoreItem>
 </file>
 
-<file path=customXml/itemProps2.xml><?xml version="1.0" encoding="utf-8"?>
-<ds:datastoreItem xmlns:ds="http://schemas.openxmlformats.org/officeDocument/2006/customXml" ds:itemID="{917A1171-45E3-4E0C-B712-8306AE0B7411}">
+<file path=customXml/itemProps3.xml><?xml version="1.0" encoding="utf-8"?>
+<ds:datastoreItem xmlns:ds="http://schemas.openxmlformats.org/officeDocument/2006/customXml" ds:itemID="{334975F1-7A16-4F7E-84AE-F419563FD202}">
   <ds:schemaRefs>
-    <ds:schemaRef ds:uri="http://schemas.microsoft.com/sharepoint/events"/>
-  </ds:schemaRefs>
-</ds:datastoreItem>
-</file>
-
-<file path=customXml/itemProps3.xml><?xml version="1.0" encoding="utf-8"?>
-<ds:datastoreItem xmlns:ds="http://schemas.openxmlformats.org/officeDocument/2006/customXml" ds:itemID="{FFF5BEF5-BF1F-44F4-AFBC-1295B944FD55}">
-  <ds:schemaRefs>
-    <ds:schemaRef ds:uri="http://schemas.microsoft.com/sharepoint/v3/contenttype/forms"/>
+    <ds:schemaRef ds:uri="http://schemas.microsoft.com/office/2006/metadata/contentType"/>
+    <ds:schemaRef ds:uri="http://schemas.microsoft.com/office/2006/metadata/properties/metaAttributes"/>
+    <ds:schemaRef ds:uri="http://www.w3.org/2001/XMLSchema"/>
+    <ds:schemaRef ds:uri="http://schemas.microsoft.com/office/2006/metadata/properties"/>
+    <ds:schemaRef ds:uri="71c5aaf6-e6ce-465b-b873-5148d2a4c105"/>
+    <ds:schemaRef ds:uri="687e87d0-d0a8-4c48-8f94-14f0c67212c5"/>
+    <ds:schemaRef ds:uri="b4d06219-a142-4c5f-be55-53f74cb980c7"/>
+    <ds:schemaRef ds:uri="http://schemas.microsoft.com/office/2006/documentManagement/types"/>
+    <ds:schemaRef ds:uri="http://schemas.microsoft.com/office/infopath/2007/PartnerControls"/>
+    <ds:schemaRef ds:uri="http://schemas.openxmlformats.org/package/2006/metadata/core-properties"/>
+    <ds:schemaRef ds:uri="http://purl.org/dc/elements/1.1/"/>
+    <ds:schemaRef ds:uri="http://purl.org/dc/terms/"/>
+    <ds:schemaRef ds:uri="http://schemas.microsoft.com/internal/obd"/>
   </ds:schemaRefs>
 </ds:datastoreItem>
 </file>
@@ -7242,21 +7178,9 @@
 </file>
 
 <file path=customXml/itemProps5.xml><?xml version="1.0" encoding="utf-8"?>
-<ds:datastoreItem xmlns:ds="http://schemas.openxmlformats.org/officeDocument/2006/customXml" ds:itemID="{334975F1-7A16-4F7E-84AE-F419563FD202}">
+<ds:datastoreItem xmlns:ds="http://schemas.openxmlformats.org/officeDocument/2006/customXml" ds:itemID="{FFF5BEF5-BF1F-44F4-AFBC-1295B944FD55}">
   <ds:schemaRefs>
-    <ds:schemaRef ds:uri="http://schemas.microsoft.com/office/2006/metadata/contentType"/>
-    <ds:schemaRef ds:uri="http://schemas.microsoft.com/office/2006/metadata/properties/metaAttributes"/>
-    <ds:schemaRef ds:uri="http://www.w3.org/2001/XMLSchema"/>
-    <ds:schemaRef ds:uri="http://schemas.microsoft.com/office/2006/metadata/properties"/>
-    <ds:schemaRef ds:uri="71c5aaf6-e6ce-465b-b873-5148d2a4c105"/>
-    <ds:schemaRef ds:uri="687e87d0-d0a8-4c48-8f94-14f0c67212c5"/>
-    <ds:schemaRef ds:uri="b4d06219-a142-4c5f-be55-53f74cb980c7"/>
-    <ds:schemaRef ds:uri="http://schemas.microsoft.com/office/2006/documentManagement/types"/>
-    <ds:schemaRef ds:uri="http://schemas.microsoft.com/office/infopath/2007/PartnerControls"/>
-    <ds:schemaRef ds:uri="http://schemas.openxmlformats.org/package/2006/metadata/core-properties"/>
-    <ds:schemaRef ds:uri="http://purl.org/dc/elements/1.1/"/>
-    <ds:schemaRef ds:uri="http://purl.org/dc/terms/"/>
-    <ds:schemaRef ds:uri="http://schemas.microsoft.com/internal/obd"/>
+    <ds:schemaRef ds:uri="http://schemas.microsoft.com/sharepoint/v3/contenttype/forms"/>
   </ds:schemaRefs>
 </ds:datastoreItem>
 </file>
--- a/draft-liu-teas-transport-network-slice-yang-06.pptx
+++ b/draft-liu-teas-transport-network-slice-yang-06.pptx
@@ -229,7 +229,7 @@
           <a:p>
             <a:fld id="{59711742-25F0-43F6-882D-B8403339F2D1}" type="datetimeFigureOut">
               <a:rPr lang="en-US" smtClean="0"/>
-              <a:t>3/22/2023</a:t>
+              <a:t>3/23/2023</a:t>
             </a:fld>
             <a:endParaRPr lang="en-US"/>
           </a:p>
@@ -1315,7 +1315,7 @@
           <a:p>
             <a:fld id="{11EADF87-7BA1-4934-894F-828C76552A18}" type="datetime1">
               <a:rPr lang="en-US" smtClean="0"/>
-              <a:t>3/22/2023</a:t>
+              <a:t>3/23/2023</a:t>
             </a:fld>
             <a:endParaRPr lang="en-US"/>
           </a:p>
@@ -1516,7 +1516,7 @@
           <a:p>
             <a:fld id="{85D92055-2432-4DF3-97D9-9AAC5D502BA1}" type="datetime1">
               <a:rPr lang="en-US" smtClean="0"/>
-              <a:t>3/22/2023</a:t>
+              <a:t>3/23/2023</a:t>
             </a:fld>
             <a:endParaRPr lang="en-US"/>
           </a:p>
@@ -1727,7 +1727,7 @@
           <a:p>
             <a:fld id="{9982AC4B-3F7F-442E-97CB-3FE75166B923}" type="datetime1">
               <a:rPr lang="en-US" smtClean="0"/>
-              <a:t>3/22/2023</a:t>
+              <a:t>3/23/2023</a:t>
             </a:fld>
             <a:endParaRPr lang="en-US"/>
           </a:p>
@@ -1928,7 +1928,7 @@
           <a:p>
             <a:fld id="{86764C34-DC39-41C4-8B6A-5EA7B47F74F1}" type="datetime1">
               <a:rPr lang="en-US" smtClean="0"/>
-              <a:t>3/22/2023</a:t>
+              <a:t>3/23/2023</a:t>
             </a:fld>
             <a:endParaRPr lang="en-US"/>
           </a:p>
@@ -2206,7 +2206,7 @@
           <a:p>
             <a:fld id="{9AD06E72-0C8D-44B3-AA53-2FB152485C62}" type="datetime1">
               <a:rPr lang="en-US" smtClean="0"/>
-              <a:t>3/22/2023</a:t>
+              <a:t>3/23/2023</a:t>
             </a:fld>
             <a:endParaRPr lang="en-US"/>
           </a:p>
@@ -2474,7 +2474,7 @@
           <a:p>
             <a:fld id="{66188E82-78A8-432F-A905-64D37DCF7108}" type="datetime1">
               <a:rPr lang="en-US" smtClean="0"/>
-              <a:t>3/22/2023</a:t>
+              <a:t>3/23/2023</a:t>
             </a:fld>
             <a:endParaRPr lang="en-US"/>
           </a:p>
@@ -2889,7 +2889,7 @@
           <a:p>
             <a:fld id="{4F6C27C5-5812-4AB4-AA99-BFA1A6532403}" type="datetime1">
               <a:rPr lang="en-US" smtClean="0"/>
-              <a:t>3/22/2023</a:t>
+              <a:t>3/23/2023</a:t>
             </a:fld>
             <a:endParaRPr lang="en-US"/>
           </a:p>
@@ -3033,7 +3033,7 @@
           <a:p>
             <a:fld id="{01E17CC1-43C0-45B8-AB30-B4F1979189AC}" type="datetime1">
               <a:rPr lang="en-US" smtClean="0"/>
-              <a:t>3/22/2023</a:t>
+              <a:t>3/23/2023</a:t>
             </a:fld>
             <a:endParaRPr lang="en-US"/>
           </a:p>
@@ -3149,7 +3149,7 @@
           <a:p>
             <a:fld id="{86720E5C-818F-46A2-A674-ACF0EF433E2C}" type="datetime1">
               <a:rPr lang="en-US" smtClean="0"/>
-              <a:t>3/22/2023</a:t>
+              <a:t>3/23/2023</a:t>
             </a:fld>
             <a:endParaRPr lang="en-US"/>
           </a:p>
@@ -3463,7 +3463,7 @@
           <a:p>
             <a:fld id="{3BF26B5B-FDE8-4DDB-82A7-BEF41002D93B}" type="datetime1">
               <a:rPr lang="en-US" smtClean="0"/>
-              <a:t>3/22/2023</a:t>
+              <a:t>3/23/2023</a:t>
             </a:fld>
             <a:endParaRPr lang="en-US"/>
           </a:p>
@@ -3754,7 +3754,7 @@
           <a:p>
             <a:fld id="{5CC07EE6-18E8-48EE-9715-5838292A3776}" type="datetime1">
               <a:rPr lang="en-US" smtClean="0"/>
-              <a:t>3/22/2023</a:t>
+              <a:t>3/23/2023</a:t>
             </a:fld>
             <a:endParaRPr lang="en-US"/>
           </a:p>
@@ -3998,7 +3998,7 @@
           <a:p>
             <a:fld id="{9025BCED-13F6-41CB-8B3C-875C16F6C384}" type="datetime1">
               <a:rPr lang="en-US" smtClean="0"/>
-              <a:t>3/22/2023</a:t>
+              <a:t>3/23/2023</a:t>
             </a:fld>
             <a:endParaRPr lang="en-US"/>
           </a:p>
@@ -5305,7 +5305,7 @@
             <a:pPr lvl="1"/>
             <a:r>
               <a:rPr lang="en-US" sz="2000" dirty="0"/>
-              <a:t>Existing topology models, e.g. network topology or TE topology is not intent driven, e.g. no customer SLO/SLEs defined</a:t>
+              <a:t>Existing topology models, e.g. network topology or TE topology is not designed for expressing the slice intent, e.g. no customer SLO/SLEs defined</a:t>
             </a:r>
           </a:p>
           <a:p>
@@ -6093,15 +6093,20 @@
           <a:lstStyle/>
           <a:p>
             <a:r>
+              <a:rPr lang="en-US" sz="2800" dirty="0">
+                <a:effectLst/>
+                <a:latin typeface="Calibri" panose="020F0502020204030204" pitchFamily="34" charset="0"/>
+                <a:ea typeface="DengXian" panose="02010600030101010101" pitchFamily="2" charset="-122"/>
+              </a:rPr>
+              <a:t>Since the NS Topology model is a NS technology agnostic topology model, why not reference directly this model in NS-NBI for customized topology</a:t>
+            </a:r>
+            <a:endParaRPr lang="en-US" dirty="0"/>
+          </a:p>
+          <a:p>
+            <a:pPr lvl="1"/>
+            <a:r>
               <a:rPr lang="en-US" dirty="0"/>
-              <a:t>Should the NS-NBI model reference this topology model, or any topology model?</a:t>
-            </a:r>
-          </a:p>
-          <a:p>
-            <a:pPr lvl="1"/>
-            <a:r>
-              <a:rPr lang="en-US" dirty="0"/>
-              <a:t>Restrain that the topology to be reference is of type “network-slice”</a:t>
+              <a:t>Add constraint into NS-NBI that the reference topology must be of type “network-slice”</a:t>
             </a:r>
           </a:p>
           <a:p>
@@ -6197,13 +6202,13 @@
           <a:p>
             <a:r>
               <a:rPr lang="en-US" dirty="0"/>
+              <a:t>Request for WG adoption</a:t>
+            </a:r>
+          </a:p>
+          <a:p>
+            <a:r>
+              <a:rPr lang="en-US" dirty="0"/>
               <a:t>Resolve open issues</a:t>
-            </a:r>
-          </a:p>
-          <a:p>
-            <a:r>
-              <a:rPr lang="en-US" dirty="0"/>
-              <a:t>Request for WG adoption</a:t>
             </a:r>
           </a:p>
           <a:p>
@@ -6858,16 +6863,14 @@
 </file>
 
 <file path=customXml/item1.xml><?xml version="1.0" encoding="utf-8"?>
-<?mso-contentType ?>
-<spe:Receivers xmlns:spe="http://schemas.microsoft.com/sharepoint/events"/>
+<p:properties xmlns:p="http://schemas.microsoft.com/office/2006/metadata/properties" xmlns:xsi="http://www.w3.org/2001/XMLSchema-instance" xmlns:pc="http://schemas.microsoft.com/office/infopath/2007/PartnerControls">
+  <documentManagement>
+    <HideFromDelve xmlns="71c5aaf6-e6ce-465b-b873-5148d2a4c105">false</HideFromDelve>
+  </documentManagement>
+</p:properties>
 </file>
 
 <file path=customXml/item2.xml><?xml version="1.0" encoding="utf-8"?>
-<?mso-contentType ?>
-<SharedContentType xmlns="Microsoft.SharePoint.Taxonomy.ContentTypeSync" SourceId="34c87397-5fc1-491e-85e7-d6110dbe9cbd" ContentTypeId="0x0101" PreviousValue="false"/>
-</file>
-
-<file path=customXml/item3.xml><?xml version="1.0" encoding="utf-8"?>
 <ct:contentTypeSchema xmlns:ct="http://schemas.microsoft.com/office/2006/metadata/contentType" xmlns:ma="http://schemas.microsoft.com/office/2006/metadata/properties/metaAttributes" ct:_="" ma:_="" ma:contentTypeName="Document" ma:contentTypeID="0x01010083185B6FD968AC4F8244C98DADFCDDF2" ma:contentTypeVersion="10" ma:contentTypeDescription="Create a new document." ma:contentTypeScope="" ma:versionID="a0a5748a9dac91f93248b2b077c41dd7">
   <xsd:schema xmlns:xsd="http://www.w3.org/2001/XMLSchema" xmlns:xs="http://www.w3.org/2001/XMLSchema" xmlns:p="http://schemas.microsoft.com/office/2006/metadata/properties" xmlns:ns3="71c5aaf6-e6ce-465b-b873-5148d2a4c105" xmlns:ns4="687e87d0-d0a8-4c48-8f94-14f0c67212c5" xmlns:ns5="b4d06219-a142-4c5f-be55-53f74cb980c7" targetNamespace="http://schemas.microsoft.com/office/2006/metadata/properties" ma:root="true" ma:fieldsID="b06f86fc5fa60c034a6b2d88bb81de5b" ns3:_="" ns4:_="" ns5:_="">
     <xsd:import namespace="71c5aaf6-e6ce-465b-b873-5148d2a4c105"/>
@@ -7106,12 +7109,14 @@
 </ct:contentTypeSchema>
 </file>
 
+<file path=customXml/item3.xml><?xml version="1.0" encoding="utf-8"?>
+<?mso-contentType ?>
+<SharedContentType xmlns="Microsoft.SharePoint.Taxonomy.ContentTypeSync" SourceId="34c87397-5fc1-491e-85e7-d6110dbe9cbd" ContentTypeId="0x0101" PreviousValue="false"/>
+</file>
+
 <file path=customXml/item4.xml><?xml version="1.0" encoding="utf-8"?>
-<p:properties xmlns:p="http://schemas.microsoft.com/office/2006/metadata/properties" xmlns:xsi="http://www.w3.org/2001/XMLSchema-instance" xmlns:pc="http://schemas.microsoft.com/office/infopath/2007/PartnerControls">
-  <documentManagement>
-    <HideFromDelve xmlns="71c5aaf6-e6ce-465b-b873-5148d2a4c105">false</HideFromDelve>
-  </documentManagement>
-</p:properties>
+<?mso-contentType ?>
+<spe:Receivers xmlns:spe="http://schemas.microsoft.com/sharepoint/events"/>
 </file>
 
 <file path=customXml/item5.xml><?xml version="1.0" encoding="utf-8"?>
@@ -7124,22 +7129,24 @@
 </file>
 
 <file path=customXml/itemProps1.xml><?xml version="1.0" encoding="utf-8"?>
-<ds:datastoreItem xmlns:ds="http://schemas.openxmlformats.org/officeDocument/2006/customXml" ds:itemID="{917A1171-45E3-4E0C-B712-8306AE0B7411}">
+<ds:datastoreItem xmlns:ds="http://schemas.openxmlformats.org/officeDocument/2006/customXml" ds:itemID="{D1402BC5-1A46-47E2-B58E-ED5697CD9276}">
   <ds:schemaRefs>
-    <ds:schemaRef ds:uri="http://schemas.microsoft.com/sharepoint/events"/>
+    <ds:schemaRef ds:uri="71c5aaf6-e6ce-465b-b873-5148d2a4c105"/>
+    <ds:schemaRef ds:uri="http://purl.org/dc/elements/1.1/"/>
+    <ds:schemaRef ds:uri="http://schemas.openxmlformats.org/package/2006/metadata/core-properties"/>
+    <ds:schemaRef ds:uri="687e87d0-d0a8-4c48-8f94-14f0c67212c5"/>
+    <ds:schemaRef ds:uri="http://schemas.microsoft.com/office/2006/documentManagement/types"/>
+    <ds:schemaRef ds:uri="http://purl.org/dc/terms/"/>
+    <ds:schemaRef ds:uri="http://purl.org/dc/dcmitype/"/>
+    <ds:schemaRef ds:uri="http://schemas.microsoft.com/office/infopath/2007/PartnerControls"/>
+    <ds:schemaRef ds:uri="b4d06219-a142-4c5f-be55-53f74cb980c7"/>
+    <ds:schemaRef ds:uri="http://schemas.microsoft.com/office/2006/metadata/properties"/>
+    <ds:schemaRef ds:uri="http://www.w3.org/XML/1998/namespace"/>
   </ds:schemaRefs>
 </ds:datastoreItem>
 </file>
 
 <file path=customXml/itemProps2.xml><?xml version="1.0" encoding="utf-8"?>
-<ds:datastoreItem xmlns:ds="http://schemas.openxmlformats.org/officeDocument/2006/customXml" ds:itemID="{68412ECC-D61E-4B23-B7FF-722505864B65}">
-  <ds:schemaRefs>
-    <ds:schemaRef ds:uri="Microsoft.SharePoint.Taxonomy.ContentTypeSync"/>
-  </ds:schemaRefs>
-</ds:datastoreItem>
-</file>
-
-<file path=customXml/itemProps3.xml><?xml version="1.0" encoding="utf-8"?>
 <ds:datastoreItem xmlns:ds="http://schemas.openxmlformats.org/officeDocument/2006/customXml" ds:itemID="{334975F1-7A16-4F7E-84AE-F419563FD202}">
   <ds:schemaRefs>
     <ds:schemaRef ds:uri="http://schemas.microsoft.com/office/2006/metadata/contentType"/>
@@ -7159,20 +7166,18 @@
 </ds:datastoreItem>
 </file>
 
+<file path=customXml/itemProps3.xml><?xml version="1.0" encoding="utf-8"?>
+<ds:datastoreItem xmlns:ds="http://schemas.openxmlformats.org/officeDocument/2006/customXml" ds:itemID="{68412ECC-D61E-4B23-B7FF-722505864B65}">
+  <ds:schemaRefs>
+    <ds:schemaRef ds:uri="Microsoft.SharePoint.Taxonomy.ContentTypeSync"/>
+  </ds:schemaRefs>
+</ds:datastoreItem>
+</file>
+
 <file path=customXml/itemProps4.xml><?xml version="1.0" encoding="utf-8"?>
-<ds:datastoreItem xmlns:ds="http://schemas.openxmlformats.org/officeDocument/2006/customXml" ds:itemID="{D1402BC5-1A46-47E2-B58E-ED5697CD9276}">
+<ds:datastoreItem xmlns:ds="http://schemas.openxmlformats.org/officeDocument/2006/customXml" ds:itemID="{917A1171-45E3-4E0C-B712-8306AE0B7411}">
   <ds:schemaRefs>
-    <ds:schemaRef ds:uri="71c5aaf6-e6ce-465b-b873-5148d2a4c105"/>
-    <ds:schemaRef ds:uri="http://purl.org/dc/elements/1.1/"/>
-    <ds:schemaRef ds:uri="http://schemas.openxmlformats.org/package/2006/metadata/core-properties"/>
-    <ds:schemaRef ds:uri="687e87d0-d0a8-4c48-8f94-14f0c67212c5"/>
-    <ds:schemaRef ds:uri="http://schemas.microsoft.com/office/2006/documentManagement/types"/>
-    <ds:schemaRef ds:uri="http://purl.org/dc/terms/"/>
-    <ds:schemaRef ds:uri="http://purl.org/dc/dcmitype/"/>
-    <ds:schemaRef ds:uri="http://schemas.microsoft.com/office/infopath/2007/PartnerControls"/>
-    <ds:schemaRef ds:uri="b4d06219-a142-4c5f-be55-53f74cb980c7"/>
-    <ds:schemaRef ds:uri="http://schemas.microsoft.com/office/2006/metadata/properties"/>
-    <ds:schemaRef ds:uri="http://www.w3.org/XML/1998/namespace"/>
+    <ds:schemaRef ds:uri="http://schemas.microsoft.com/sharepoint/events"/>
   </ds:schemaRefs>
 </ds:datastoreItem>
 </file>
